--- a/week4/BiasVariance.pptx
+++ b/week4/BiasVariance.pptx
@@ -219,7 +219,7 @@
           <a:p>
             <a:fld id="{DC1489BD-80D8-044E-B489-6491FE1C3B4A}" type="datetimeFigureOut">
               <a:rPr lang="en-US" smtClean="0"/>
-              <a:t>8/9/18</a:t>
+              <a:t>8/11/18</a:t>
             </a:fld>
             <a:endParaRPr lang="en-US"/>
           </a:p>
@@ -1731,7 +1731,7 @@
           <a:p>
             <a:fld id="{DEFBAF91-23A8-144B-A1B7-82C79B923880}" type="datetimeFigureOut">
               <a:rPr lang="en-US" smtClean="0"/>
-              <a:t>8/9/18</a:t>
+              <a:t>8/11/18</a:t>
             </a:fld>
             <a:endParaRPr lang="en-US"/>
           </a:p>
@@ -1929,7 +1929,7 @@
           <a:p>
             <a:fld id="{DEFBAF91-23A8-144B-A1B7-82C79B923880}" type="datetimeFigureOut">
               <a:rPr lang="en-US" smtClean="0"/>
-              <a:t>8/9/18</a:t>
+              <a:t>8/11/18</a:t>
             </a:fld>
             <a:endParaRPr lang="en-US"/>
           </a:p>
@@ -2137,7 +2137,7 @@
           <a:p>
             <a:fld id="{DEFBAF91-23A8-144B-A1B7-82C79B923880}" type="datetimeFigureOut">
               <a:rPr lang="en-US" smtClean="0"/>
-              <a:t>8/9/18</a:t>
+              <a:t>8/11/18</a:t>
             </a:fld>
             <a:endParaRPr lang="en-US"/>
           </a:p>
@@ -2335,7 +2335,7 @@
           <a:p>
             <a:fld id="{DEFBAF91-23A8-144B-A1B7-82C79B923880}" type="datetimeFigureOut">
               <a:rPr lang="en-US" smtClean="0"/>
-              <a:t>8/9/18</a:t>
+              <a:t>8/11/18</a:t>
             </a:fld>
             <a:endParaRPr lang="en-US"/>
           </a:p>
@@ -2610,7 +2610,7 @@
           <a:p>
             <a:fld id="{DEFBAF91-23A8-144B-A1B7-82C79B923880}" type="datetimeFigureOut">
               <a:rPr lang="en-US" smtClean="0"/>
-              <a:t>8/9/18</a:t>
+              <a:t>8/11/18</a:t>
             </a:fld>
             <a:endParaRPr lang="en-US"/>
           </a:p>
@@ -2875,7 +2875,7 @@
           <a:p>
             <a:fld id="{DEFBAF91-23A8-144B-A1B7-82C79B923880}" type="datetimeFigureOut">
               <a:rPr lang="en-US" smtClean="0"/>
-              <a:t>8/9/18</a:t>
+              <a:t>8/11/18</a:t>
             </a:fld>
             <a:endParaRPr lang="en-US"/>
           </a:p>
@@ -3287,7 +3287,7 @@
           <a:p>
             <a:fld id="{DEFBAF91-23A8-144B-A1B7-82C79B923880}" type="datetimeFigureOut">
               <a:rPr lang="en-US" smtClean="0"/>
-              <a:t>8/9/18</a:t>
+              <a:t>8/11/18</a:t>
             </a:fld>
             <a:endParaRPr lang="en-US"/>
           </a:p>
@@ -3428,7 +3428,7 @@
           <a:p>
             <a:fld id="{DEFBAF91-23A8-144B-A1B7-82C79B923880}" type="datetimeFigureOut">
               <a:rPr lang="en-US" smtClean="0"/>
-              <a:t>8/9/18</a:t>
+              <a:t>8/11/18</a:t>
             </a:fld>
             <a:endParaRPr lang="en-US"/>
           </a:p>
@@ -3541,7 +3541,7 @@
           <a:p>
             <a:fld id="{DEFBAF91-23A8-144B-A1B7-82C79B923880}" type="datetimeFigureOut">
               <a:rPr lang="en-US" smtClean="0"/>
-              <a:t>8/9/18</a:t>
+              <a:t>8/11/18</a:t>
             </a:fld>
             <a:endParaRPr lang="en-US"/>
           </a:p>
@@ -3852,7 +3852,7 @@
           <a:p>
             <a:fld id="{DEFBAF91-23A8-144B-A1B7-82C79B923880}" type="datetimeFigureOut">
               <a:rPr lang="en-US" smtClean="0"/>
-              <a:t>8/9/18</a:t>
+              <a:t>8/11/18</a:t>
             </a:fld>
             <a:endParaRPr lang="en-US"/>
           </a:p>
@@ -4140,7 +4140,7 @@
           <a:p>
             <a:fld id="{DEFBAF91-23A8-144B-A1B7-82C79B923880}" type="datetimeFigureOut">
               <a:rPr lang="en-US" smtClean="0"/>
-              <a:t>8/9/18</a:t>
+              <a:t>8/11/18</a:t>
             </a:fld>
             <a:endParaRPr lang="en-US"/>
           </a:p>
@@ -4381,7 +4381,7 @@
           <a:p>
             <a:fld id="{DEFBAF91-23A8-144B-A1B7-82C79B923880}" type="datetimeFigureOut">
               <a:rPr lang="en-US" smtClean="0"/>
-              <a:t>8/9/18</a:t>
+              <a:t>8/11/18</a:t>
             </a:fld>
             <a:endParaRPr lang="en-US"/>
           </a:p>
@@ -6601,7 +6601,7 @@
         <p:spPr>
           <a:xfrm>
             <a:off x="3985844" y="4934830"/>
-            <a:ext cx="2186356" cy="1200329"/>
+            <a:ext cx="2186356" cy="1477328"/>
           </a:xfrm>
           <a:prstGeom prst="rect">
             <a:avLst/>
@@ -6618,7 +6618,19 @@
               <a:rPr lang="en-US" b="1" dirty="0">
                 <a:latin typeface="Sapient Centro Slab" panose="02000503050000020004" pitchFamily="2" charset="0"/>
               </a:rPr>
-              <a:t>Variance (11-1 = 1%). Overfitting. </a:t>
+              <a:t>Variance (11-1 </a:t>
+            </a:r>
+            <a:r>
+              <a:rPr lang="en-US" b="1">
+                <a:latin typeface="Sapient Centro Slab" panose="02000503050000020004" pitchFamily="2" charset="0"/>
+              </a:rPr>
+              <a:t>= 10%). </a:t>
+            </a:r>
+            <a:r>
+              <a:rPr lang="en-US" b="1" dirty="0">
+                <a:latin typeface="Sapient Centro Slab" panose="02000503050000020004" pitchFamily="2" charset="0"/>
+              </a:rPr>
+              <a:t>Overfitting. </a:t>
             </a:r>
             <a:r>
               <a:rPr lang="en-US" dirty="0">
